--- a/docs/diagrams/StorageComponentClassDiagram.pptx
+++ b/docs/diagrams/StorageComponentClassDiagram.pptx
@@ -107,6 +107,22 @@
       </a:defRPr>
     </a:lvl9pPr>
   </p:defaultTextStyle>
+  <p:extLst>
+    <p:ext uri="{EFAFB233-063F-42B5-8137-9DF3F51BA10A}">
+      <p15:sldGuideLst xmlns:p15="http://schemas.microsoft.com/office/powerpoint/2012/main">
+        <p15:guide id="1" orient="horz" pos="1488">
+          <p15:clr>
+            <a:srgbClr val="A4A3A4"/>
+          </p15:clr>
+        </p15:guide>
+        <p15:guide id="2" pos="2880">
+          <p15:clr>
+            <a:srgbClr val="A4A3A4"/>
+          </p15:clr>
+        </p15:guide>
+      </p15:sldGuideLst>
+    </p:ext>
+  </p:extLst>
 </p:presentation>
 </file>
 
@@ -192,7 +208,7 @@
           <a:p>
             <a:fld id="{F5CC4B3F-88C1-4FFA-B1B6-F41C21DC6924}" type="datetimeFigureOut">
               <a:rPr lang="en-US" smtClean="0"/>
-              <a:t>10/16/2016</a:t>
+              <a:t>11/12/17</a:t>
             </a:fld>
             <a:endParaRPr lang="en-US"/>
           </a:p>
@@ -641,7 +657,7 @@
           <a:p>
             <a:fld id="{78C97017-6FC3-485B-9764-EAC9E56C1D49}" type="datetimeFigureOut">
               <a:rPr lang="en-US" smtClean="0"/>
-              <a:t>10/16/2016</a:t>
+              <a:t>11/12/17</a:t>
             </a:fld>
             <a:endParaRPr lang="en-US"/>
           </a:p>
@@ -811,7 +827,7 @@
           <a:p>
             <a:fld id="{78C97017-6FC3-485B-9764-EAC9E56C1D49}" type="datetimeFigureOut">
               <a:rPr lang="en-US" smtClean="0"/>
-              <a:t>10/16/2016</a:t>
+              <a:t>11/12/17</a:t>
             </a:fld>
             <a:endParaRPr lang="en-US"/>
           </a:p>
@@ -991,7 +1007,7 @@
           <a:p>
             <a:fld id="{78C97017-6FC3-485B-9764-EAC9E56C1D49}" type="datetimeFigureOut">
               <a:rPr lang="en-US" smtClean="0"/>
-              <a:t>10/16/2016</a:t>
+              <a:t>11/12/17</a:t>
             </a:fld>
             <a:endParaRPr lang="en-US"/>
           </a:p>
@@ -1161,7 +1177,7 @@
           <a:p>
             <a:fld id="{78C97017-6FC3-485B-9764-EAC9E56C1D49}" type="datetimeFigureOut">
               <a:rPr lang="en-US" smtClean="0"/>
-              <a:t>10/16/2016</a:t>
+              <a:t>11/12/17</a:t>
             </a:fld>
             <a:endParaRPr lang="en-US"/>
           </a:p>
@@ -1407,7 +1423,7 @@
           <a:p>
             <a:fld id="{78C97017-6FC3-485B-9764-EAC9E56C1D49}" type="datetimeFigureOut">
               <a:rPr lang="en-US" smtClean="0"/>
-              <a:t>10/16/2016</a:t>
+              <a:t>11/12/17</a:t>
             </a:fld>
             <a:endParaRPr lang="en-US"/>
           </a:p>
@@ -1695,7 +1711,7 @@
           <a:p>
             <a:fld id="{78C97017-6FC3-485B-9764-EAC9E56C1D49}" type="datetimeFigureOut">
               <a:rPr lang="en-US" smtClean="0"/>
-              <a:t>10/16/2016</a:t>
+              <a:t>11/12/17</a:t>
             </a:fld>
             <a:endParaRPr lang="en-US"/>
           </a:p>
@@ -2117,7 +2133,7 @@
           <a:p>
             <a:fld id="{78C97017-6FC3-485B-9764-EAC9E56C1D49}" type="datetimeFigureOut">
               <a:rPr lang="en-US" smtClean="0"/>
-              <a:t>10/16/2016</a:t>
+              <a:t>11/12/17</a:t>
             </a:fld>
             <a:endParaRPr lang="en-US"/>
           </a:p>
@@ -2235,7 +2251,7 @@
           <a:p>
             <a:fld id="{78C97017-6FC3-485B-9764-EAC9E56C1D49}" type="datetimeFigureOut">
               <a:rPr lang="en-US" smtClean="0"/>
-              <a:t>10/16/2016</a:t>
+              <a:t>11/12/17</a:t>
             </a:fld>
             <a:endParaRPr lang="en-US"/>
           </a:p>
@@ -2330,7 +2346,7 @@
           <a:p>
             <a:fld id="{78C97017-6FC3-485B-9764-EAC9E56C1D49}" type="datetimeFigureOut">
               <a:rPr lang="en-US" smtClean="0"/>
-              <a:t>10/16/2016</a:t>
+              <a:t>11/12/17</a:t>
             </a:fld>
             <a:endParaRPr lang="en-US"/>
           </a:p>
@@ -2607,7 +2623,7 @@
           <a:p>
             <a:fld id="{78C97017-6FC3-485B-9764-EAC9E56C1D49}" type="datetimeFigureOut">
               <a:rPr lang="en-US" smtClean="0"/>
-              <a:t>10/16/2016</a:t>
+              <a:t>11/12/17</a:t>
             </a:fld>
             <a:endParaRPr lang="en-US"/>
           </a:p>
@@ -2860,7 +2876,7 @@
           <a:p>
             <a:fld id="{78C97017-6FC3-485B-9764-EAC9E56C1D49}" type="datetimeFigureOut">
               <a:rPr lang="en-US" smtClean="0"/>
-              <a:t>10/16/2016</a:t>
+              <a:t>11/12/17</a:t>
             </a:fld>
             <a:endParaRPr lang="en-US"/>
           </a:p>
@@ -3073,7 +3089,7 @@
           <a:p>
             <a:fld id="{78C97017-6FC3-485B-9764-EAC9E56C1D49}" type="datetimeFigureOut">
               <a:rPr lang="en-US" smtClean="0"/>
-              <a:t>10/16/2016</a:t>
+              <a:t>11/12/17</a:t>
             </a:fld>
             <a:endParaRPr lang="en-US"/>
           </a:p>
@@ -3457,7 +3473,7 @@
         <p:spPr>
           <a:xfrm>
             <a:off x="1119865" y="2086382"/>
-            <a:ext cx="7871735" cy="1723618"/>
+            <a:ext cx="7871735" cy="2485618"/>
           </a:xfrm>
           <a:prstGeom prst="roundRect">
             <a:avLst>
@@ -4833,6 +4849,100 @@
           </a:fontRef>
         </p:style>
       </p:cxnSp>
+      <p:cxnSp>
+        <p:nvCxnSpPr>
+          <p:cNvPr id="26" name="Elbow Connector 122"/>
+          <p:cNvCxnSpPr/>
+          <p:nvPr/>
+        </p:nvCxnSpPr>
+        <p:spPr>
+          <a:xfrm rot="16200000" flipH="1">
+            <a:off x="6486247" y="3592954"/>
+            <a:ext cx="381000" cy="205493"/>
+          </a:xfrm>
+          <a:prstGeom prst="bentConnector3">
+            <a:avLst>
+              <a:gd name="adj1" fmla="val 50000"/>
+            </a:avLst>
+          </a:prstGeom>
+          <a:ln w="19050">
+            <a:prstDash val="sysDot"/>
+            <a:headEnd type="none" w="med" len="med"/>
+            <a:tailEnd type="arrow" w="med" len="med"/>
+          </a:ln>
+          <a:effectLst/>
+        </p:spPr>
+        <p:style>
+          <a:lnRef idx="1">
+            <a:schemeClr val="accent6"/>
+          </a:lnRef>
+          <a:fillRef idx="2">
+            <a:schemeClr val="accent6"/>
+          </a:fillRef>
+          <a:effectRef idx="1">
+            <a:schemeClr val="accent6"/>
+          </a:effectRef>
+          <a:fontRef idx="minor">
+            <a:schemeClr val="dk1"/>
+          </a:fontRef>
+        </p:style>
+      </p:cxnSp>
+      <p:sp>
+        <p:nvSpPr>
+          <p:cNvPr id="28" name="Rectangle 8"/>
+          <p:cNvSpPr/>
+          <p:nvPr/>
+        </p:nvSpPr>
+        <p:spPr>
+          <a:xfrm>
+            <a:off x="6149635" y="3882340"/>
+            <a:ext cx="1259718" cy="346760"/>
+          </a:xfrm>
+          <a:prstGeom prst="rect">
+            <a:avLst/>
+          </a:prstGeom>
+          <a:ln w="19050"/>
+          <a:effectLst/>
+        </p:spPr>
+        <p:style>
+          <a:lnRef idx="1">
+            <a:schemeClr val="accent6"/>
+          </a:lnRef>
+          <a:fillRef idx="2">
+            <a:schemeClr val="accent6"/>
+          </a:fillRef>
+          <a:effectRef idx="1">
+            <a:schemeClr val="accent6"/>
+          </a:effectRef>
+          <a:fontRef idx="minor">
+            <a:schemeClr val="dk1"/>
+          </a:fontRef>
+        </p:style>
+        <p:txBody>
+          <a:bodyPr rtlCol="0" anchor="ctr"/>
+          <a:lstStyle/>
+          <a:p>
+            <a:pPr algn="ctr"/>
+            <a:r>
+              <a:rPr lang="en-US" sz="1050" b="1" dirty="0" err="1" smtClean="0">
+                <a:solidFill>
+                  <a:schemeClr val="accent6">
+                    <a:lumMod val="75000"/>
+                  </a:schemeClr>
+                </a:solidFill>
+              </a:rPr>
+              <a:t>XmlAdaptedTask</a:t>
+            </a:r>
+            <a:endParaRPr lang="en-SG" sz="1050" b="1" dirty="0">
+              <a:solidFill>
+                <a:schemeClr val="accent6">
+                  <a:lumMod val="75000"/>
+                </a:schemeClr>
+              </a:solidFill>
+            </a:endParaRPr>
+          </a:p>
+        </p:txBody>
+      </p:sp>
     </p:spTree>
     <p:extLst>
       <p:ext uri="{BB962C8B-B14F-4D97-AF65-F5344CB8AC3E}">

--- a/docs/diagrams/StorageComponentClassDiagram.pptx
+++ b/docs/diagrams/StorageComponentClassDiagram.pptx
@@ -3592,7 +3592,7 @@
               </a:rPr>
             </a:br>
             <a:r>
-              <a:rPr lang="en-US" sz="1050" dirty="0" err="1" smtClean="0">
+              <a:rPr lang="en-US" sz="1050" dirty="0" smtClean="0">
                 <a:solidFill>
                   <a:schemeClr val="bg1"/>
                 </a:solidFill>
@@ -3655,7 +3655,7 @@
           <a:p>
             <a:pPr algn="ctr"/>
             <a:r>
-              <a:rPr lang="en-US" sz="1050" dirty="0" err="1" smtClean="0">
+              <a:rPr lang="en-US" sz="1050" dirty="0" smtClean="0">
                 <a:solidFill>
                   <a:schemeClr val="bg1"/>
                 </a:solidFill>
@@ -4163,7 +4163,7 @@
           <a:p>
             <a:pPr algn="ctr"/>
             <a:r>
-              <a:rPr lang="en-US" sz="1050" b="1" dirty="0" err="1" smtClean="0">
+              <a:rPr lang="en-US" sz="1050" b="1" dirty="0" smtClean="0">
                 <a:solidFill>
                   <a:schemeClr val="accent6">
                     <a:lumMod val="75000"/>
@@ -4171,16 +4171,6 @@
                 </a:solidFill>
               </a:rPr>
               <a:t>XmlAddressBook</a:t>
-            </a:r>
-            <a:r>
-              <a:rPr lang="en-US" sz="1050" b="1" dirty="0" smtClean="0">
-                <a:solidFill>
-                  <a:schemeClr val="accent6">
-                    <a:lumMod val="75000"/>
-                  </a:schemeClr>
-                </a:solidFill>
-              </a:rPr>
-              <a:t/>
             </a:r>
             <a:br>
               <a:rPr lang="en-US" sz="1050" b="1" dirty="0" smtClean="0">
@@ -4274,7 +4264,7 @@
               </a:rPr>
             </a:br>
             <a:r>
-              <a:rPr lang="en-US" sz="1050" dirty="0" err="1" smtClean="0">
+              <a:rPr lang="en-US" sz="1050" dirty="0" smtClean="0">
                 <a:solidFill>
                   <a:schemeClr val="bg1"/>
                 </a:solidFill>
@@ -4532,20 +4522,12 @@
           <a:p>
             <a:pPr algn="ctr"/>
             <a:r>
-              <a:rPr lang="en-US" sz="1050" dirty="0" err="1" smtClean="0">
+              <a:rPr lang="en-US" sz="1050" dirty="0" smtClean="0">
                 <a:solidFill>
                   <a:schemeClr val="bg1"/>
                 </a:solidFill>
               </a:rPr>
               <a:t>JsonUserPrefs</a:t>
-            </a:r>
-            <a:r>
-              <a:rPr lang="en-US" sz="1050" dirty="0" smtClean="0">
-                <a:solidFill>
-                  <a:schemeClr val="bg1"/>
-                </a:solidFill>
-              </a:rPr>
-              <a:t/>
             </a:r>
             <a:br>
               <a:rPr lang="en-US" sz="1050" dirty="0" smtClean="0">
@@ -4607,7 +4589,7 @@
           <a:p>
             <a:pPr algn="ctr"/>
             <a:r>
-              <a:rPr lang="en-US" sz="1050" b="1" dirty="0" err="1" smtClean="0">
+              <a:rPr lang="en-US" sz="1050" b="1" smtClean="0">
                 <a:solidFill>
                   <a:schemeClr val="accent6">
                     <a:lumMod val="75000"/>
@@ -4636,7 +4618,7 @@
               </a:rPr>
             </a:br>
             <a:r>
-              <a:rPr lang="en-US" sz="1050" b="1" dirty="0" err="1" smtClean="0">
+              <a:rPr lang="en-US" sz="1050" b="1" dirty="0" smtClean="0">
                 <a:solidFill>
                   <a:schemeClr val="accent6">
                     <a:lumMod val="75000"/>
@@ -4733,7 +4715,7 @@
           <a:p>
             <a:pPr algn="ctr"/>
             <a:r>
-              <a:rPr lang="en-US" sz="1050" b="1" dirty="0" err="1" smtClean="0">
+              <a:rPr lang="en-US" sz="1050" b="1" dirty="0" smtClean="0">
                 <a:solidFill>
                   <a:schemeClr val="accent6">
                     <a:lumMod val="75000"/>
@@ -4789,7 +4771,7 @@
           <a:p>
             <a:pPr algn="ctr"/>
             <a:r>
-              <a:rPr lang="en-US" sz="1050" b="1" dirty="0" err="1" smtClean="0">
+              <a:rPr lang="en-US" sz="1050" b="1" dirty="0" smtClean="0">
                 <a:solidFill>
                   <a:schemeClr val="accent6">
                     <a:lumMod val="75000"/>
@@ -4924,7 +4906,7 @@
           <a:p>
             <a:pPr algn="ctr"/>
             <a:r>
-              <a:rPr lang="en-US" sz="1050" b="1" dirty="0" err="1" smtClean="0">
+              <a:rPr lang="en-US" sz="1050" b="1" dirty="0" smtClean="0">
                 <a:solidFill>
                   <a:schemeClr val="accent6">
                     <a:lumMod val="75000"/>
